--- a/ppt.pptx
+++ b/ppt.pptx
@@ -5,7 +5,12 @@
     <p:sldMasterId id="2147483819" r:id="rId1"/>
   </p:sldMasterIdLst>
   <p:sldIdLst>
-    <p:sldId id="258" r:id="rId2"/>
+    <p:sldId id="259" r:id="rId2"/>
+    <p:sldId id="261" r:id="rId3"/>
+    <p:sldId id="265" r:id="rId4"/>
+    <p:sldId id="260" r:id="rId5"/>
+    <p:sldId id="258" r:id="rId6"/>
+    <p:sldId id="263" r:id="rId7"/>
   </p:sldIdLst>
   <p:sldSz cx="12192000" cy="6858000"/>
   <p:notesSz cx="6858000" cy="9144000"/>
@@ -523,7 +528,7 @@
           <a:p>
             <a:fld id="{83284890-85D2-4D7B-8EF5-15A9C1DB8F42}" type="datetimeFigureOut">
               <a:rPr lang="en-US" dirty="0"/>
-              <a:t>2/7/2021</a:t>
+              <a:t>3/5/2021</a:t>
             </a:fld>
             <a:endParaRPr lang="en-US" dirty="0"/>
           </a:p>
@@ -701,7 +706,7 @@
           <a:p>
             <a:fld id="{87157CC2-0FC8-4686-B024-99790E0F5162}" type="datetimeFigureOut">
               <a:rPr lang="en-US" dirty="0"/>
-              <a:t>2/7/2021</a:t>
+              <a:t>3/5/2021</a:t>
             </a:fld>
             <a:endParaRPr lang="en-US" dirty="0"/>
           </a:p>
@@ -879,7 +884,7 @@
           <a:p>
             <a:fld id="{F6764DA5-CD3D-4590-A511-FCD3BC7A793E}" type="datetimeFigureOut">
               <a:rPr lang="en-US" dirty="0"/>
-              <a:t>2/7/2021</a:t>
+              <a:t>3/5/2021</a:t>
             </a:fld>
             <a:endParaRPr lang="en-US" dirty="0"/>
           </a:p>
@@ -1047,7 +1052,7 @@
           <a:p>
             <a:fld id="{82F5661D-6934-4B32-B92C-470368BF1EC6}" type="datetimeFigureOut">
               <a:rPr lang="en-US" dirty="0"/>
-              <a:t>2/7/2021</a:t>
+              <a:t>3/5/2021</a:t>
             </a:fld>
             <a:endParaRPr lang="en-US" dirty="0"/>
           </a:p>
@@ -1359,7 +1364,7 @@
           <a:p>
             <a:fld id="{C6F822A4-8DA6-4447-9B1F-C5DB58435268}" type="datetimeFigureOut">
               <a:rPr lang="en-US" dirty="0"/>
-              <a:t>2/7/2021</a:t>
+              <a:t>3/5/2021</a:t>
             </a:fld>
             <a:endParaRPr lang="en-US" dirty="0"/>
           </a:p>
@@ -1743,7 +1748,7 @@
           <a:p>
             <a:fld id="{E548D31E-DCDA-41A7-9C67-C4B11B94D21D}" type="datetimeFigureOut">
               <a:rPr lang="en-US" dirty="0"/>
-              <a:t>2/7/2021</a:t>
+              <a:t>3/5/2021</a:t>
             </a:fld>
             <a:endParaRPr lang="en-US" dirty="0"/>
           </a:p>
@@ -2174,7 +2179,7 @@
           <a:p>
             <a:fld id="{9B3762C0-B258-48F1-ADE6-176B4174CCDD}" type="datetimeFigureOut">
               <a:rPr lang="en-US" dirty="0"/>
-              <a:t>2/7/2021</a:t>
+              <a:t>3/5/2021</a:t>
             </a:fld>
             <a:endParaRPr lang="en-US" dirty="0"/>
           </a:p>
@@ -2291,7 +2296,7 @@
           <a:p>
             <a:fld id="{677919A6-33EB-49BD-A62F-1FA56B9F9712}" type="datetimeFigureOut">
               <a:rPr lang="en-US" dirty="0"/>
-              <a:t>2/7/2021</a:t>
+              <a:t>3/5/2021</a:t>
             </a:fld>
             <a:endParaRPr lang="en-US" dirty="0"/>
           </a:p>
@@ -2386,7 +2391,7 @@
           <a:p>
             <a:fld id="{CA4E7D1B-D673-4CF6-8672-009D42ABD2A0}" type="datetimeFigureOut">
               <a:rPr lang="en-US" dirty="0"/>
-              <a:t>2/7/2021</a:t>
+              <a:t>3/5/2021</a:t>
             </a:fld>
             <a:endParaRPr lang="en-US" dirty="0"/>
           </a:p>
@@ -2734,7 +2739,7 @@
           <a:p>
             <a:fld id="{DA16AA21-1863-4931-97CB-99D0A168701B}" type="datetimeFigureOut">
               <a:rPr lang="en-US" dirty="0"/>
-              <a:t>2/7/2021</a:t>
+              <a:t>3/5/2021</a:t>
             </a:fld>
             <a:endParaRPr lang="en-US" dirty="0"/>
           </a:p>
@@ -3154,7 +3159,7 @@
           <a:p>
             <a:fld id="{3772C379-9A7C-4C87-A116-CBE9F58B04C5}" type="datetimeFigureOut">
               <a:rPr lang="en-US" dirty="0"/>
-              <a:t>2/7/2021</a:t>
+              <a:t>3/5/2021</a:t>
             </a:fld>
             <a:endParaRPr lang="en-US" dirty="0"/>
           </a:p>
@@ -3433,7 +3438,7 @@
           <a:p>
             <a:fld id="{8664C608-40B1-4030-A28D-5B74BC98ADCE}" type="datetimeFigureOut">
               <a:rPr lang="en-US" dirty="0"/>
-              <a:t>2/7/2021</a:t>
+              <a:t>3/5/2021</a:t>
             </a:fld>
             <a:endParaRPr lang="en-US" dirty="0"/>
           </a:p>
@@ -4013,10 +4018,124 @@
       </p:grpSpPr>
       <p:sp>
         <p:nvSpPr>
+          <p:cNvPr id="2" name="Title 1">
+            <a:extLst>
+              <a:ext uri="{FF2B5EF4-FFF2-40B4-BE49-F238E27FC236}">
+                <a16:creationId xmlns:a16="http://schemas.microsoft.com/office/drawing/2014/main" id="{9FAE3D4C-443F-4682-AA7D-4730FA4A5D25}"/>
+              </a:ext>
+            </a:extLst>
+          </p:cNvPr>
+          <p:cNvSpPr>
+            <a:spLocks noGrp="1"/>
+          </p:cNvSpPr>
+          <p:nvPr>
+            <p:ph type="ctrTitle"/>
+          </p:nvPr>
+        </p:nvSpPr>
+        <p:spPr/>
+        <p:txBody>
+          <a:bodyPr/>
+          <a:lstStyle/>
+          <a:p>
+            <a:r>
+              <a:rPr lang="en-US" dirty="0"/>
+              <a:t>battleship</a:t>
+            </a:r>
+          </a:p>
+        </p:txBody>
+      </p:sp>
+      <p:sp>
+        <p:nvSpPr>
+          <p:cNvPr id="3" name="Subtitle 2">
+            <a:extLst>
+              <a:ext uri="{FF2B5EF4-FFF2-40B4-BE49-F238E27FC236}">
+                <a16:creationId xmlns:a16="http://schemas.microsoft.com/office/drawing/2014/main" id="{31DB957C-0CC4-48E5-AAD8-EFE3D47644FF}"/>
+              </a:ext>
+            </a:extLst>
+          </p:cNvPr>
+          <p:cNvSpPr>
+            <a:spLocks noGrp="1"/>
+          </p:cNvSpPr>
+          <p:nvPr>
+            <p:ph type="subTitle" idx="1"/>
+          </p:nvPr>
+        </p:nvSpPr>
+        <p:spPr/>
+        <p:txBody>
+          <a:bodyPr/>
+          <a:lstStyle/>
+          <a:p>
+            <a:r>
+              <a:rPr lang="en-US" dirty="0"/>
+              <a:t>Chan Choi</a:t>
+            </a:r>
+          </a:p>
+        </p:txBody>
+      </p:sp>
+    </p:spTree>
+    <p:extLst>
+      <p:ext uri="{BB962C8B-B14F-4D97-AF65-F5344CB8AC3E}">
+        <p14:creationId xmlns:p14="http://schemas.microsoft.com/office/powerpoint/2010/main" val="3887670540"/>
+      </p:ext>
+    </p:extLst>
+  </p:cSld>
+  <p:clrMapOvr>
+    <a:masterClrMapping/>
+  </p:clrMapOvr>
+</p:sld>
+</file>
+
+<file path=ppt/slides/slide2.xml><?xml version="1.0" encoding="utf-8"?>
+<p:sld xmlns:a="http://schemas.openxmlformats.org/drawingml/2006/main" xmlns:r="http://schemas.openxmlformats.org/officeDocument/2006/relationships" xmlns:p="http://schemas.openxmlformats.org/presentationml/2006/main">
+  <p:cSld>
+    <p:spTree>
+      <p:nvGrpSpPr>
+        <p:cNvPr id="1" name=""/>
+        <p:cNvGrpSpPr/>
+        <p:nvPr/>
+      </p:nvGrpSpPr>
+      <p:grpSpPr>
+        <a:xfrm>
+          <a:off x="0" y="0"/>
+          <a:ext cx="0" cy="0"/>
+          <a:chOff x="0" y="0"/>
+          <a:chExt cx="0" cy="0"/>
+        </a:xfrm>
+      </p:grpSpPr>
+      <p:sp>
+        <p:nvSpPr>
+          <p:cNvPr id="2" name="Title 1">
+            <a:extLst>
+              <a:ext uri="{FF2B5EF4-FFF2-40B4-BE49-F238E27FC236}">
+                <a16:creationId xmlns:a16="http://schemas.microsoft.com/office/drawing/2014/main" id="{5CF30EA0-D3C1-4F71-8C43-EE91A6142682}"/>
+              </a:ext>
+            </a:extLst>
+          </p:cNvPr>
+          <p:cNvSpPr>
+            <a:spLocks noGrp="1"/>
+          </p:cNvSpPr>
+          <p:nvPr>
+            <p:ph type="title"/>
+          </p:nvPr>
+        </p:nvSpPr>
+        <p:spPr/>
+        <p:txBody>
+          <a:bodyPr/>
+          <a:lstStyle/>
+          <a:p>
+            <a:r>
+              <a:rPr lang="en-US" dirty="0"/>
+              <a:t>Table of contents</a:t>
+            </a:r>
+          </a:p>
+        </p:txBody>
+      </p:sp>
+      <p:sp>
+        <p:nvSpPr>
           <p:cNvPr id="3" name="Content Placeholder 2">
             <a:extLst>
               <a:ext uri="{FF2B5EF4-FFF2-40B4-BE49-F238E27FC236}">
-                <a16:creationId xmlns:a16="http://schemas.microsoft.com/office/drawing/2014/main" id="{9AFD353D-97A8-4FA3-8A0C-1521B079EFAA}"/>
+                <a16:creationId xmlns:a16="http://schemas.microsoft.com/office/drawing/2014/main" id="{D6A666B3-CB60-40F7-A822-68C616767416}"/>
               </a:ext>
             </a:extLst>
           </p:cNvPr>
@@ -4027,44 +4146,298 @@
             <p:ph idx="1"/>
           </p:nvPr>
         </p:nvSpPr>
-        <p:spPr>
-          <a:xfrm>
-            <a:off x="295405" y="312063"/>
-            <a:ext cx="4607491" cy="1741749"/>
-          </a:xfrm>
-        </p:spPr>
-        <p:txBody>
-          <a:bodyPr vert="horz" lIns="91440" tIns="45720" rIns="91440" bIns="45720" rtlCol="0" anchor="t">
-            <a:normAutofit/>
-          </a:bodyPr>
+        <p:spPr/>
+        <p:txBody>
+          <a:bodyPr/>
           <a:lstStyle/>
           <a:p>
             <a:r>
-              <a:rPr lang="en-US" sz="1600" b="1" dirty="0">
+              <a:rPr lang="en-US" dirty="0"/>
+              <a:t>Demo</a:t>
+            </a:r>
+          </a:p>
+          <a:p>
+            <a:endParaRPr lang="en-US" dirty="0"/>
+          </a:p>
+          <a:p>
+            <a:r>
+              <a:rPr lang="en-US" dirty="0">
+                <a:solidFill>
+                  <a:schemeClr val="bg2"/>
+                </a:solidFill>
+              </a:rPr>
+              <a:t>Program spec</a:t>
+            </a:r>
+          </a:p>
+          <a:p>
+            <a:endParaRPr lang="en-US" dirty="0"/>
+          </a:p>
+        </p:txBody>
+      </p:sp>
+    </p:spTree>
+    <p:extLst>
+      <p:ext uri="{BB962C8B-B14F-4D97-AF65-F5344CB8AC3E}">
+        <p14:creationId xmlns:p14="http://schemas.microsoft.com/office/powerpoint/2010/main" val="2357990626"/>
+      </p:ext>
+    </p:extLst>
+  </p:cSld>
+  <p:clrMapOvr>
+    <a:masterClrMapping/>
+  </p:clrMapOvr>
+</p:sld>
+</file>
+
+<file path=ppt/slides/slide3.xml><?xml version="1.0" encoding="utf-8"?>
+<p:sld xmlns:a="http://schemas.openxmlformats.org/drawingml/2006/main" xmlns:r="http://schemas.openxmlformats.org/officeDocument/2006/relationships" xmlns:p="http://schemas.openxmlformats.org/presentationml/2006/main">
+  <p:cSld>
+    <p:spTree>
+      <p:nvGrpSpPr>
+        <p:cNvPr id="1" name=""/>
+        <p:cNvGrpSpPr/>
+        <p:nvPr/>
+      </p:nvGrpSpPr>
+      <p:grpSpPr>
+        <a:xfrm>
+          <a:off x="0" y="0"/>
+          <a:ext cx="0" cy="0"/>
+          <a:chOff x="0" y="0"/>
+          <a:chExt cx="0" cy="0"/>
+        </a:xfrm>
+      </p:grpSpPr>
+      <p:sp>
+        <p:nvSpPr>
+          <p:cNvPr id="2" name="Title 1">
+            <a:extLst>
+              <a:ext uri="{FF2B5EF4-FFF2-40B4-BE49-F238E27FC236}">
+                <a16:creationId xmlns:a16="http://schemas.microsoft.com/office/drawing/2014/main" id="{6FB0B83F-CE58-4387-8302-6373FD01E4AB}"/>
+              </a:ext>
+            </a:extLst>
+          </p:cNvPr>
+          <p:cNvSpPr>
+            <a:spLocks noGrp="1"/>
+          </p:cNvSpPr>
+          <p:nvPr>
+            <p:ph type="title"/>
+          </p:nvPr>
+        </p:nvSpPr>
+        <p:spPr/>
+        <p:txBody>
+          <a:bodyPr/>
+          <a:lstStyle/>
+          <a:p>
+            <a:r>
+              <a:rPr lang="en-US" dirty="0"/>
+              <a:t>Demo</a:t>
+            </a:r>
+          </a:p>
+        </p:txBody>
+      </p:sp>
+      <p:sp>
+        <p:nvSpPr>
+          <p:cNvPr id="3" name="Content Placeholder 2">
+            <a:extLst>
+              <a:ext uri="{FF2B5EF4-FFF2-40B4-BE49-F238E27FC236}">
+                <a16:creationId xmlns:a16="http://schemas.microsoft.com/office/drawing/2014/main" id="{95310BDE-A686-412B-BBAD-F7E2D780CD87}"/>
+              </a:ext>
+            </a:extLst>
+          </p:cNvPr>
+          <p:cNvSpPr>
+            <a:spLocks noGrp="1"/>
+          </p:cNvSpPr>
+          <p:nvPr>
+            <p:ph idx="1"/>
+          </p:nvPr>
+        </p:nvSpPr>
+        <p:spPr/>
+        <p:txBody>
+          <a:bodyPr/>
+          <a:lstStyle/>
+          <a:p>
+            <a:r>
+              <a:rPr lang="en-US" dirty="0"/>
+              <a:t>1. </a:t>
+            </a:r>
+            <a:r>
+              <a:rPr lang="en-US" dirty="0">
                 <a:cs typeface="Calibri"/>
               </a:rPr>
-              <a:t>1. Objective</a:t>
-            </a:r>
-          </a:p>
-          <a:p>
-            <a:pPr marL="0" indent="0">
-              <a:buClr>
-                <a:srgbClr val="9E3611"/>
-              </a:buClr>
-              <a:buNone/>
-            </a:pPr>
-            <a:r>
-              <a:rPr lang="en-US" sz="1600">
+              <a:t>Computer and player’s ships are placed automatically.</a:t>
+            </a:r>
+          </a:p>
+          <a:p>
+            <a:endParaRPr lang="en-US" dirty="0">
+              <a:cs typeface="Calibri"/>
+            </a:endParaRPr>
+          </a:p>
+          <a:p>
+            <a:r>
+              <a:rPr lang="en-US" dirty="0">
                 <a:cs typeface="Calibri"/>
               </a:rPr>
-              <a:t>Defeat the computer by attacking its ships</a:t>
-            </a:r>
-            <a:endParaRPr lang="en-US" sz="1600" dirty="0">
+              <a:t>2. Player attacks a point.</a:t>
+            </a:r>
+          </a:p>
+          <a:p>
+            <a:endParaRPr lang="en-US" dirty="0">
               <a:cs typeface="Calibri"/>
             </a:endParaRPr>
           </a:p>
-        </p:txBody>
-      </p:sp>
+          <a:p>
+            <a:r>
+              <a:rPr lang="en-US" dirty="0">
+                <a:cs typeface="Calibri"/>
+              </a:rPr>
+              <a:t>3. Computer automatically attacks a point.</a:t>
+            </a:r>
+          </a:p>
+          <a:p>
+            <a:endParaRPr lang="en-US" dirty="0">
+              <a:cs typeface="Calibri"/>
+            </a:endParaRPr>
+          </a:p>
+          <a:p>
+            <a:r>
+              <a:rPr lang="en-US" dirty="0">
+                <a:cs typeface="Calibri"/>
+              </a:rPr>
+              <a:t>Repeat 2 and 3 until someone’s ships have all sunk.</a:t>
+            </a:r>
+          </a:p>
+        </p:txBody>
+      </p:sp>
+    </p:spTree>
+    <p:extLst>
+      <p:ext uri="{BB962C8B-B14F-4D97-AF65-F5344CB8AC3E}">
+        <p14:creationId xmlns:p14="http://schemas.microsoft.com/office/powerpoint/2010/main" val="2833320709"/>
+      </p:ext>
+    </p:extLst>
+  </p:cSld>
+  <p:clrMapOvr>
+    <a:masterClrMapping/>
+  </p:clrMapOvr>
+</p:sld>
+</file>
+
+<file path=ppt/slides/slide4.xml><?xml version="1.0" encoding="utf-8"?>
+<p:sld xmlns:a="http://schemas.openxmlformats.org/drawingml/2006/main" xmlns:r="http://schemas.openxmlformats.org/officeDocument/2006/relationships" xmlns:p="http://schemas.openxmlformats.org/presentationml/2006/main">
+  <p:cSld>
+    <p:spTree>
+      <p:nvGrpSpPr>
+        <p:cNvPr id="1" name=""/>
+        <p:cNvGrpSpPr/>
+        <p:nvPr/>
+      </p:nvGrpSpPr>
+      <p:grpSpPr>
+        <a:xfrm>
+          <a:off x="0" y="0"/>
+          <a:ext cx="0" cy="0"/>
+          <a:chOff x="0" y="0"/>
+          <a:chExt cx="0" cy="0"/>
+        </a:xfrm>
+      </p:grpSpPr>
+      <p:sp>
+        <p:nvSpPr>
+          <p:cNvPr id="2" name="Title 1">
+            <a:extLst>
+              <a:ext uri="{FF2B5EF4-FFF2-40B4-BE49-F238E27FC236}">
+                <a16:creationId xmlns:a16="http://schemas.microsoft.com/office/drawing/2014/main" id="{5CF30EA0-D3C1-4F71-8C43-EE91A6142682}"/>
+              </a:ext>
+            </a:extLst>
+          </p:cNvPr>
+          <p:cNvSpPr>
+            <a:spLocks noGrp="1"/>
+          </p:cNvSpPr>
+          <p:nvPr>
+            <p:ph type="title"/>
+          </p:nvPr>
+        </p:nvSpPr>
+        <p:spPr/>
+        <p:txBody>
+          <a:bodyPr/>
+          <a:lstStyle/>
+          <a:p>
+            <a:r>
+              <a:rPr lang="en-US" dirty="0"/>
+              <a:t>Table of contents</a:t>
+            </a:r>
+          </a:p>
+        </p:txBody>
+      </p:sp>
+      <p:sp>
+        <p:nvSpPr>
+          <p:cNvPr id="3" name="Content Placeholder 2">
+            <a:extLst>
+              <a:ext uri="{FF2B5EF4-FFF2-40B4-BE49-F238E27FC236}">
+                <a16:creationId xmlns:a16="http://schemas.microsoft.com/office/drawing/2014/main" id="{D6A666B3-CB60-40F7-A822-68C616767416}"/>
+              </a:ext>
+            </a:extLst>
+          </p:cNvPr>
+          <p:cNvSpPr>
+            <a:spLocks noGrp="1"/>
+          </p:cNvSpPr>
+          <p:nvPr>
+            <p:ph idx="1"/>
+          </p:nvPr>
+        </p:nvSpPr>
+        <p:spPr/>
+        <p:txBody>
+          <a:bodyPr/>
+          <a:lstStyle/>
+          <a:p>
+            <a:r>
+              <a:rPr lang="en-US" dirty="0">
+                <a:solidFill>
+                  <a:schemeClr val="bg2"/>
+                </a:solidFill>
+              </a:rPr>
+              <a:t>Demo</a:t>
+            </a:r>
+            <a:endParaRPr lang="en-US" dirty="0"/>
+          </a:p>
+          <a:p>
+            <a:endParaRPr lang="en-US" dirty="0"/>
+          </a:p>
+          <a:p>
+            <a:r>
+              <a:rPr lang="en-US" dirty="0"/>
+              <a:t>Program spec</a:t>
+            </a:r>
+          </a:p>
+          <a:p>
+            <a:endParaRPr lang="en-US" dirty="0"/>
+          </a:p>
+        </p:txBody>
+      </p:sp>
+    </p:spTree>
+    <p:extLst>
+      <p:ext uri="{BB962C8B-B14F-4D97-AF65-F5344CB8AC3E}">
+        <p14:creationId xmlns:p14="http://schemas.microsoft.com/office/powerpoint/2010/main" val="1782537191"/>
+      </p:ext>
+    </p:extLst>
+  </p:cSld>
+  <p:clrMapOvr>
+    <a:masterClrMapping/>
+  </p:clrMapOvr>
+</p:sld>
+</file>
+
+<file path=ppt/slides/slide5.xml><?xml version="1.0" encoding="utf-8"?>
+<p:sld xmlns:a="http://schemas.openxmlformats.org/drawingml/2006/main" xmlns:r="http://schemas.openxmlformats.org/officeDocument/2006/relationships" xmlns:p="http://schemas.openxmlformats.org/presentationml/2006/main">
+  <p:cSld>
+    <p:spTree>
+      <p:nvGrpSpPr>
+        <p:cNvPr id="1" name=""/>
+        <p:cNvGrpSpPr/>
+        <p:nvPr/>
+      </p:nvGrpSpPr>
+      <p:grpSpPr>
+        <a:xfrm>
+          <a:off x="0" y="0"/>
+          <a:ext cx="0" cy="0"/>
+          <a:chOff x="0" y="0"/>
+          <a:chExt cx="0" cy="0"/>
+        </a:xfrm>
+      </p:grpSpPr>
       <p:pic>
         <p:nvPicPr>
           <p:cNvPr id="4" name="Picture 4" descr="Diagram&#10;&#10;Description automatically generated">
@@ -4087,8 +4460,8 @@
         </p:blipFill>
         <p:spPr>
           <a:xfrm>
-            <a:off x="5806661" y="1018239"/>
-            <a:ext cx="5967894" cy="4733175"/>
+            <a:off x="6865545" y="1685759"/>
+            <a:ext cx="4395981" cy="3486481"/>
           </a:xfrm>
           <a:prstGeom prst="rect">
             <a:avLst/>
@@ -4111,7 +4484,7 @@
         </p:nvSpPr>
         <p:spPr>
           <a:xfrm>
-            <a:off x="5589226" y="375662"/>
+            <a:off x="6700296" y="967369"/>
             <a:ext cx="4607491" cy="1741749"/>
           </a:xfrm>
           <a:prstGeom prst="rect">
@@ -4366,12 +4739,12 @@
           </a:lstStyle>
           <a:p>
             <a:r>
-              <a:rPr lang="en-US" sz="1600" b="1">
+              <a:rPr lang="en-US" sz="1600" b="1" dirty="0">
                 <a:cs typeface="Calibri"/>
               </a:rPr>
               <a:t>2. Class Diagram</a:t>
             </a:r>
-            <a:endParaRPr lang="en-US" sz="1600" b="1"/>
+            <a:endParaRPr lang="en-US" sz="1600" b="1" dirty="0"/>
           </a:p>
         </p:txBody>
       </p:sp>
@@ -4391,7 +4764,7 @@
         </p:nvSpPr>
         <p:spPr>
           <a:xfrm>
-            <a:off x="291230" y="2729586"/>
+            <a:off x="1069848" y="3324260"/>
             <a:ext cx="5630448" cy="2879529"/>
           </a:xfrm>
           <a:prstGeom prst="rect">
@@ -4651,12 +5024,12 @@
               </a:buClr>
             </a:pPr>
             <a:r>
-              <a:rPr lang="en-US" sz="1600" b="1">
+              <a:rPr lang="en-US" sz="1600" b="1" dirty="0">
                 <a:cs typeface="Calibri"/>
               </a:rPr>
-              <a:t>3. Key Functions</a:t>
-            </a:r>
-            <a:endParaRPr lang="en-US" b="1"/>
+              <a:t>1. Key Functions</a:t>
+            </a:r>
+            <a:endParaRPr lang="en-US" b="1" dirty="0"/>
           </a:p>
           <a:p>
             <a:pPr marL="342900" indent="-342900">
@@ -4666,13 +5039,13 @@
               <a:buAutoNum type="arabicPeriod"/>
             </a:pPr>
             <a:r>
-              <a:rPr lang="en-US" sz="1600">
+              <a:rPr lang="en-US" sz="1600" dirty="0">
                 <a:cs typeface="Calibri"/>
               </a:rPr>
               <a:t>Engine::run()                         </a:t>
             </a:r>
             <a:r>
-              <a:rPr lang="en-US" sz="1400">
+              <a:rPr lang="en-US" sz="1400" dirty="0">
                 <a:cs typeface="Calibri"/>
               </a:rPr>
               <a:t>Start the game</a:t>
@@ -4683,16 +5056,16 @@
               <a:buAutoNum type="arabicPeriod"/>
             </a:pPr>
             <a:r>
-              <a:rPr lang="en-US" sz="1600">
+              <a:rPr lang="en-US" sz="1600" dirty="0">
                 <a:cs typeface="Calibri"/>
               </a:rPr>
               <a:t>Display::draw()                     </a:t>
             </a:r>
             <a:r>
-              <a:rPr lang="en-US" sz="1400">
+              <a:rPr lang="en-US" sz="1400" dirty="0">
                 <a:cs typeface="Calibri"/>
               </a:rPr>
-              <a:t>Draw grids every 30ms</a:t>
+              <a:t>Draw grids every 50ms</a:t>
             </a:r>
           </a:p>
           <a:p>
@@ -4700,33 +5073,42 @@
               <a:buAutoNum type="arabicPeriod"/>
             </a:pPr>
             <a:r>
-              <a:rPr lang="en-US" sz="1600">
+              <a:rPr lang="en-US" sz="1600" dirty="0">
                 <a:cs typeface="Calibri"/>
               </a:rPr>
-              <a:t>Computer::place_ship()    </a:t>
-            </a:r>
-            <a:r>
-              <a:rPr lang="en-US" sz="1400">
+              <a:t>Computer::</a:t>
+            </a:r>
+            <a:r>
+              <a:rPr lang="en-US" sz="1600" dirty="0" err="1">
+                <a:cs typeface="Calibri"/>
+              </a:rPr>
+              <a:t>place_ship</a:t>
+            </a:r>
+            <a:r>
+              <a:rPr lang="en-US" sz="1600" dirty="0">
+                <a:cs typeface="Calibri"/>
+              </a:rPr>
+              <a:t>()    </a:t>
+            </a:r>
+            <a:r>
+              <a:rPr lang="en-US" sz="1400" dirty="0">
                 <a:cs typeface="Calibri"/>
               </a:rPr>
               <a:t> Place computer's ship</a:t>
             </a:r>
-            <a:endParaRPr lang="en-US" sz="1400" dirty="0">
-              <a:cs typeface="Calibri"/>
-            </a:endParaRPr>
           </a:p>
           <a:p>
             <a:pPr marL="342900" indent="-342900">
               <a:buAutoNum type="arabicPeriod"/>
             </a:pPr>
             <a:r>
-              <a:rPr lang="en-US" sz="1600">
+              <a:rPr lang="en-US" sz="1600" dirty="0">
                 <a:cs typeface="Calibri"/>
               </a:rPr>
               <a:t>Computer::turn()                 </a:t>
             </a:r>
             <a:r>
-              <a:rPr lang="en-US" sz="1400">
+              <a:rPr lang="en-US" sz="1400" dirty="0">
                 <a:cs typeface="Calibri"/>
               </a:rPr>
               <a:t>Simulate computer's turn</a:t>
@@ -4740,13 +5122,25 @@
               <a:buAutoNum type="arabicPeriod"/>
             </a:pPr>
             <a:r>
-              <a:rPr lang="en-US" sz="1600">
+              <a:rPr lang="en-US" sz="1600" dirty="0">
                 <a:cs typeface="Calibri"/>
               </a:rPr>
-              <a:t>Player::place_ship()            </a:t>
-            </a:r>
-            <a:r>
-              <a:rPr lang="en-US" sz="1400">
+              <a:t>Player::</a:t>
+            </a:r>
+            <a:r>
+              <a:rPr lang="en-US" sz="1600" dirty="0" err="1">
+                <a:cs typeface="Calibri"/>
+              </a:rPr>
+              <a:t>place_ship</a:t>
+            </a:r>
+            <a:r>
+              <a:rPr lang="en-US" sz="1600" dirty="0">
+                <a:cs typeface="Calibri"/>
+              </a:rPr>
+              <a:t>()            </a:t>
+            </a:r>
+            <a:r>
+              <a:rPr lang="en-US" sz="1400" dirty="0">
                 <a:cs typeface="Calibri"/>
               </a:rPr>
               <a:t>Place player's ship</a:t>
@@ -4760,13 +5154,13 @@
               <a:buAutoNum type="arabicPeriod"/>
             </a:pPr>
             <a:r>
-              <a:rPr lang="en-US" sz="1600">
+              <a:rPr lang="en-US" sz="1600" dirty="0">
                 <a:cs typeface="Calibri"/>
               </a:rPr>
               <a:t>Player::turn()                        </a:t>
             </a:r>
             <a:r>
-              <a:rPr lang="en-US" sz="1400">
+              <a:rPr lang="en-US" sz="1400" dirty="0">
                 <a:cs typeface="Calibri"/>
               </a:rPr>
               <a:t>Simulate player's turn </a:t>
@@ -4780,10 +5174,393 @@
           </a:p>
         </p:txBody>
       </p:sp>
+      <p:sp>
+        <p:nvSpPr>
+          <p:cNvPr id="9" name="Title 1">
+            <a:extLst>
+              <a:ext uri="{FF2B5EF4-FFF2-40B4-BE49-F238E27FC236}">
+                <a16:creationId xmlns:a16="http://schemas.microsoft.com/office/drawing/2014/main" id="{C9331B66-1526-4837-92E1-16AFB309CD29}"/>
+              </a:ext>
+            </a:extLst>
+          </p:cNvPr>
+          <p:cNvSpPr>
+            <a:spLocks noGrp="1"/>
+          </p:cNvSpPr>
+          <p:nvPr>
+            <p:ph type="title"/>
+          </p:nvPr>
+        </p:nvSpPr>
+        <p:spPr>
+          <a:xfrm>
+            <a:off x="1069848" y="484632"/>
+            <a:ext cx="10058400" cy="1609344"/>
+          </a:xfrm>
+        </p:spPr>
+        <p:txBody>
+          <a:bodyPr/>
+          <a:lstStyle/>
+          <a:p>
+            <a:r>
+              <a:rPr lang="en-US" dirty="0"/>
+              <a:t>Program spec</a:t>
+            </a:r>
+          </a:p>
+        </p:txBody>
+      </p:sp>
     </p:spTree>
     <p:extLst>
       <p:ext uri="{BB962C8B-B14F-4D97-AF65-F5344CB8AC3E}">
         <p14:creationId xmlns:p14="http://schemas.microsoft.com/office/powerpoint/2010/main" val="3848365233"/>
+      </p:ext>
+    </p:extLst>
+  </p:cSld>
+  <p:clrMapOvr>
+    <a:masterClrMapping/>
+  </p:clrMapOvr>
+</p:sld>
+</file>
+
+<file path=ppt/slides/slide6.xml><?xml version="1.0" encoding="utf-8"?>
+<p:sld xmlns:a="http://schemas.openxmlformats.org/drawingml/2006/main" xmlns:r="http://schemas.openxmlformats.org/officeDocument/2006/relationships" xmlns:p="http://schemas.openxmlformats.org/presentationml/2006/main">
+  <p:cSld>
+    <p:spTree>
+      <p:nvGrpSpPr>
+        <p:cNvPr id="1" name=""/>
+        <p:cNvGrpSpPr/>
+        <p:nvPr/>
+      </p:nvGrpSpPr>
+      <p:grpSpPr>
+        <a:xfrm>
+          <a:off x="0" y="0"/>
+          <a:ext cx="0" cy="0"/>
+          <a:chOff x="0" y="0"/>
+          <a:chExt cx="0" cy="0"/>
+        </a:xfrm>
+      </p:grpSpPr>
+      <p:sp>
+        <p:nvSpPr>
+          <p:cNvPr id="3" name="Content Placeholder 2">
+            <a:extLst>
+              <a:ext uri="{FF2B5EF4-FFF2-40B4-BE49-F238E27FC236}">
+                <a16:creationId xmlns:a16="http://schemas.microsoft.com/office/drawing/2014/main" id="{9AFD353D-97A8-4FA3-8A0C-1521B079EFAA}"/>
+              </a:ext>
+            </a:extLst>
+          </p:cNvPr>
+          <p:cNvSpPr>
+            <a:spLocks noGrp="1"/>
+          </p:cNvSpPr>
+          <p:nvPr>
+            <p:ph idx="1"/>
+          </p:nvPr>
+        </p:nvSpPr>
+        <p:spPr>
+          <a:xfrm>
+            <a:off x="295405" y="312063"/>
+            <a:ext cx="11401672" cy="6115897"/>
+          </a:xfrm>
+        </p:spPr>
+        <p:txBody>
+          <a:bodyPr vert="horz" lIns="91440" tIns="45720" rIns="91440" bIns="45720" rtlCol="0" anchor="t">
+            <a:normAutofit/>
+          </a:bodyPr>
+          <a:lstStyle/>
+          <a:p>
+            <a:pPr>
+              <a:lnSpc>
+                <a:spcPct val="150000"/>
+              </a:lnSpc>
+            </a:pPr>
+            <a:r>
+              <a:rPr lang="en-US" sz="1600" b="1" dirty="0">
+                <a:cs typeface="Calibri"/>
+              </a:rPr>
+              <a:t>3. Key Concepts</a:t>
+            </a:r>
+          </a:p>
+          <a:p>
+            <a:pPr lvl="1">
+              <a:lnSpc>
+                <a:spcPct val="150000"/>
+              </a:lnSpc>
+            </a:pPr>
+            <a:r>
+              <a:rPr lang="en-US" sz="1400" b="1" dirty="0">
+                <a:cs typeface="Calibri"/>
+              </a:rPr>
+              <a:t>Display thread</a:t>
+            </a:r>
+          </a:p>
+          <a:p>
+            <a:pPr lvl="1">
+              <a:lnSpc>
+                <a:spcPct val="150000"/>
+              </a:lnSpc>
+            </a:pPr>
+            <a:r>
+              <a:rPr lang="en-US" sz="1400" b="1" dirty="0">
+                <a:cs typeface="Calibri"/>
+              </a:rPr>
+              <a:t>Reading inputs</a:t>
+            </a:r>
+          </a:p>
+          <a:p>
+            <a:pPr lvl="1">
+              <a:lnSpc>
+                <a:spcPct val="150000"/>
+              </a:lnSpc>
+            </a:pPr>
+            <a:r>
+              <a:rPr lang="en-US" sz="1400" b="1" dirty="0">
+                <a:cs typeface="Calibri"/>
+              </a:rPr>
+              <a:t>std::</a:t>
+            </a:r>
+            <a:r>
+              <a:rPr lang="en-US" sz="1400" b="1" dirty="0" err="1">
+                <a:cs typeface="Calibri"/>
+              </a:rPr>
+              <a:t>shared_ptr</a:t>
+            </a:r>
+            <a:endParaRPr lang="en-US" sz="1400" b="1" dirty="0">
+              <a:cs typeface="Calibri"/>
+            </a:endParaRPr>
+          </a:p>
+          <a:p>
+            <a:pPr lvl="1">
+              <a:lnSpc>
+                <a:spcPct val="150000"/>
+              </a:lnSpc>
+            </a:pPr>
+            <a:endParaRPr lang="en-US" sz="1400" b="1" dirty="0">
+              <a:cs typeface="Calibri"/>
+            </a:endParaRPr>
+          </a:p>
+          <a:p>
+            <a:pPr lvl="1">
+              <a:lnSpc>
+                <a:spcPct val="150000"/>
+              </a:lnSpc>
+            </a:pPr>
+            <a:endParaRPr lang="en-US" sz="1400" dirty="0">
+              <a:cs typeface="Calibri"/>
+            </a:endParaRPr>
+          </a:p>
+        </p:txBody>
+      </p:sp>
+      <p:pic>
+        <p:nvPicPr>
+          <p:cNvPr id="5" name="Picture 4" descr="Text&#10;&#10;Description automatically generated">
+            <a:extLst>
+              <a:ext uri="{FF2B5EF4-FFF2-40B4-BE49-F238E27FC236}">
+                <a16:creationId xmlns:a16="http://schemas.microsoft.com/office/drawing/2014/main" id="{29FB6A8F-0D79-42B6-8295-EA748CBAA048}"/>
+              </a:ext>
+            </a:extLst>
+          </p:cNvPr>
+          <p:cNvPicPr>
+            <a:picLocks noChangeAspect="1"/>
+          </p:cNvPicPr>
+          <p:nvPr/>
+        </p:nvPicPr>
+        <p:blipFill>
+          <a:blip r:embed="rId2"/>
+          <a:stretch>
+            <a:fillRect/>
+          </a:stretch>
+        </p:blipFill>
+        <p:spPr>
+          <a:xfrm>
+            <a:off x="6386843" y="430040"/>
+            <a:ext cx="5430008" cy="1609950"/>
+          </a:xfrm>
+          <a:prstGeom prst="rect">
+            <a:avLst/>
+          </a:prstGeom>
+        </p:spPr>
+      </p:pic>
+      <p:pic>
+        <p:nvPicPr>
+          <p:cNvPr id="9" name="Picture 8" descr="Text&#10;&#10;Description automatically generated">
+            <a:extLst>
+              <a:ext uri="{FF2B5EF4-FFF2-40B4-BE49-F238E27FC236}">
+                <a16:creationId xmlns:a16="http://schemas.microsoft.com/office/drawing/2014/main" id="{5A6CD28E-14E6-4F42-A4B2-8375670D850B}"/>
+              </a:ext>
+            </a:extLst>
+          </p:cNvPr>
+          <p:cNvPicPr>
+            <a:picLocks noChangeAspect="1"/>
+          </p:cNvPicPr>
+          <p:nvPr/>
+        </p:nvPicPr>
+        <p:blipFill>
+          <a:blip r:embed="rId3"/>
+          <a:stretch>
+            <a:fillRect/>
+          </a:stretch>
+        </p:blipFill>
+        <p:spPr>
+          <a:xfrm>
+            <a:off x="4005261" y="2157967"/>
+            <a:ext cx="7811590" cy="2743583"/>
+          </a:xfrm>
+          <a:prstGeom prst="rect">
+            <a:avLst/>
+          </a:prstGeom>
+        </p:spPr>
+      </p:pic>
+      <p:cxnSp>
+        <p:nvCxnSpPr>
+          <p:cNvPr id="11" name="Straight Arrow Connector 10">
+            <a:extLst>
+              <a:ext uri="{FF2B5EF4-FFF2-40B4-BE49-F238E27FC236}">
+                <a16:creationId xmlns:a16="http://schemas.microsoft.com/office/drawing/2014/main" id="{0DD1397B-918E-4E86-9987-2FEAE5043142}"/>
+              </a:ext>
+            </a:extLst>
+          </p:cNvPr>
+          <p:cNvCxnSpPr/>
+          <p:nvPr/>
+        </p:nvCxnSpPr>
+        <p:spPr>
+          <a:xfrm>
+            <a:off x="2263366" y="986828"/>
+            <a:ext cx="4123477" cy="0"/>
+          </a:xfrm>
+          <a:prstGeom prst="straightConnector1">
+            <a:avLst/>
+          </a:prstGeom>
+          <a:ln>
+            <a:tailEnd type="triangle"/>
+          </a:ln>
+        </p:spPr>
+        <p:style>
+          <a:lnRef idx="1">
+            <a:schemeClr val="accent1"/>
+          </a:lnRef>
+          <a:fillRef idx="0">
+            <a:schemeClr val="accent1"/>
+          </a:fillRef>
+          <a:effectRef idx="0">
+            <a:schemeClr val="accent1"/>
+          </a:effectRef>
+          <a:fontRef idx="minor">
+            <a:schemeClr val="tx1"/>
+          </a:fontRef>
+        </p:style>
+      </p:cxnSp>
+      <p:cxnSp>
+        <p:nvCxnSpPr>
+          <p:cNvPr id="13" name="Connector: Elbow 12">
+            <a:extLst>
+              <a:ext uri="{FF2B5EF4-FFF2-40B4-BE49-F238E27FC236}">
+                <a16:creationId xmlns:a16="http://schemas.microsoft.com/office/drawing/2014/main" id="{72D46430-F398-4382-84CB-51BB15376A8A}"/>
+              </a:ext>
+            </a:extLst>
+          </p:cNvPr>
+          <p:cNvCxnSpPr/>
+          <p:nvPr/>
+        </p:nvCxnSpPr>
+        <p:spPr>
+          <a:xfrm>
+            <a:off x="2281473" y="1394234"/>
+            <a:ext cx="1530036" cy="1059255"/>
+          </a:xfrm>
+          <a:prstGeom prst="bentConnector3">
+            <a:avLst/>
+          </a:prstGeom>
+          <a:ln>
+            <a:tailEnd type="triangle"/>
+          </a:ln>
+        </p:spPr>
+        <p:style>
+          <a:lnRef idx="1">
+            <a:schemeClr val="accent1"/>
+          </a:lnRef>
+          <a:fillRef idx="0">
+            <a:schemeClr val="accent1"/>
+          </a:fillRef>
+          <a:effectRef idx="0">
+            <a:schemeClr val="accent1"/>
+          </a:effectRef>
+          <a:fontRef idx="minor">
+            <a:schemeClr val="tx1"/>
+          </a:fontRef>
+        </p:style>
+      </p:cxnSp>
+      <p:pic>
+        <p:nvPicPr>
+          <p:cNvPr id="15" name="Picture 14">
+            <a:extLst>
+              <a:ext uri="{FF2B5EF4-FFF2-40B4-BE49-F238E27FC236}">
+                <a16:creationId xmlns:a16="http://schemas.microsoft.com/office/drawing/2014/main" id="{E56A50EB-E85C-4C11-AF23-982316B74CCD}"/>
+              </a:ext>
+            </a:extLst>
+          </p:cNvPr>
+          <p:cNvPicPr>
+            <a:picLocks noChangeAspect="1"/>
+          </p:cNvPicPr>
+          <p:nvPr/>
+        </p:nvPicPr>
+        <p:blipFill>
+          <a:blip r:embed="rId4"/>
+          <a:stretch>
+            <a:fillRect/>
+          </a:stretch>
+        </p:blipFill>
+        <p:spPr>
+          <a:xfrm>
+            <a:off x="5329421" y="5366037"/>
+            <a:ext cx="6487430" cy="381053"/>
+          </a:xfrm>
+          <a:prstGeom prst="rect">
+            <a:avLst/>
+          </a:prstGeom>
+        </p:spPr>
+      </p:pic>
+      <p:cxnSp>
+        <p:nvCxnSpPr>
+          <p:cNvPr id="17" name="Connector: Elbow 16">
+            <a:extLst>
+              <a:ext uri="{FF2B5EF4-FFF2-40B4-BE49-F238E27FC236}">
+                <a16:creationId xmlns:a16="http://schemas.microsoft.com/office/drawing/2014/main" id="{B2C8E9F8-5E13-43F6-9AFF-EF58D46492C0}"/>
+              </a:ext>
+            </a:extLst>
+          </p:cNvPr>
+          <p:cNvCxnSpPr>
+            <a:cxnSpLocks/>
+            <a:endCxn id="15" idx="1"/>
+          </p:cNvCxnSpPr>
+          <p:nvPr/>
+        </p:nvCxnSpPr>
+        <p:spPr>
+          <a:xfrm rot="16200000" flipH="1">
+            <a:off x="1924350" y="2151493"/>
+            <a:ext cx="3516574" cy="3293568"/>
+          </a:xfrm>
+          <a:prstGeom prst="bentConnector2">
+            <a:avLst/>
+          </a:prstGeom>
+          <a:ln>
+            <a:tailEnd type="triangle"/>
+          </a:ln>
+        </p:spPr>
+        <p:style>
+          <a:lnRef idx="1">
+            <a:schemeClr val="accent1"/>
+          </a:lnRef>
+          <a:fillRef idx="0">
+            <a:schemeClr val="accent1"/>
+          </a:fillRef>
+          <a:effectRef idx="0">
+            <a:schemeClr val="accent1"/>
+          </a:effectRef>
+          <a:fontRef idx="minor">
+            <a:schemeClr val="tx1"/>
+          </a:fontRef>
+        </p:style>
+      </p:cxnSp>
+    </p:spTree>
+    <p:extLst>
+      <p:ext uri="{BB962C8B-B14F-4D97-AF65-F5344CB8AC3E}">
+        <p14:creationId xmlns:p14="http://schemas.microsoft.com/office/powerpoint/2010/main" val="2358952637"/>
       </p:ext>
     </p:extLst>
   </p:cSld>

--- a/ppt.pptx
+++ b/ppt.pptx
@@ -4060,15 +4060,36 @@
             <p:ph type="subTitle" idx="1"/>
           </p:nvPr>
         </p:nvSpPr>
-        <p:spPr/>
-        <p:txBody>
-          <a:bodyPr/>
+        <p:spPr>
+          <a:xfrm>
+            <a:off x="1051560" y="4603833"/>
+            <a:ext cx="7891272" cy="1069848"/>
+          </a:xfrm>
+        </p:spPr>
+        <p:txBody>
+          <a:bodyPr>
+            <a:normAutofit fontScale="92500" lnSpcReduction="20000"/>
+          </a:bodyPr>
           <a:lstStyle/>
           <a:p>
             <a:r>
               <a:rPr lang="en-US" dirty="0"/>
               <a:t>Chan Choi</a:t>
             </a:r>
+          </a:p>
+          <a:p>
+            <a:endParaRPr lang="en-US" dirty="0"/>
+          </a:p>
+          <a:p>
+            <a:r>
+              <a:rPr lang="en-US" dirty="0"/>
+              <a:t>github.com/chanchoi829/</a:t>
+            </a:r>
+            <a:r>
+              <a:rPr lang="en-US" dirty="0" err="1"/>
+              <a:t>battleship_cplusplus</a:t>
+            </a:r>
+            <a:endParaRPr lang="en-US" dirty="0"/>
           </a:p>
         </p:txBody>
       </p:sp>

--- a/ppt.pptx
+++ b/ppt.pptx
@@ -528,7 +528,7 @@
           <a:p>
             <a:fld id="{83284890-85D2-4D7B-8EF5-15A9C1DB8F42}" type="datetimeFigureOut">
               <a:rPr lang="en-US" dirty="0"/>
-              <a:t>3/5/2021</a:t>
+              <a:t>9/21/2021</a:t>
             </a:fld>
             <a:endParaRPr lang="en-US" dirty="0"/>
           </a:p>
@@ -706,7 +706,7 @@
           <a:p>
             <a:fld id="{87157CC2-0FC8-4686-B024-99790E0F5162}" type="datetimeFigureOut">
               <a:rPr lang="en-US" dirty="0"/>
-              <a:t>3/5/2021</a:t>
+              <a:t>9/21/2021</a:t>
             </a:fld>
             <a:endParaRPr lang="en-US" dirty="0"/>
           </a:p>
@@ -884,7 +884,7 @@
           <a:p>
             <a:fld id="{F6764DA5-CD3D-4590-A511-FCD3BC7A793E}" type="datetimeFigureOut">
               <a:rPr lang="en-US" dirty="0"/>
-              <a:t>3/5/2021</a:t>
+              <a:t>9/21/2021</a:t>
             </a:fld>
             <a:endParaRPr lang="en-US" dirty="0"/>
           </a:p>
@@ -1052,7 +1052,7 @@
           <a:p>
             <a:fld id="{82F5661D-6934-4B32-B92C-470368BF1EC6}" type="datetimeFigureOut">
               <a:rPr lang="en-US" dirty="0"/>
-              <a:t>3/5/2021</a:t>
+              <a:t>9/21/2021</a:t>
             </a:fld>
             <a:endParaRPr lang="en-US" dirty="0"/>
           </a:p>
@@ -1364,7 +1364,7 @@
           <a:p>
             <a:fld id="{C6F822A4-8DA6-4447-9B1F-C5DB58435268}" type="datetimeFigureOut">
               <a:rPr lang="en-US" dirty="0"/>
-              <a:t>3/5/2021</a:t>
+              <a:t>9/21/2021</a:t>
             </a:fld>
             <a:endParaRPr lang="en-US" dirty="0"/>
           </a:p>
@@ -1748,7 +1748,7 @@
           <a:p>
             <a:fld id="{E548D31E-DCDA-41A7-9C67-C4B11B94D21D}" type="datetimeFigureOut">
               <a:rPr lang="en-US" dirty="0"/>
-              <a:t>3/5/2021</a:t>
+              <a:t>9/21/2021</a:t>
             </a:fld>
             <a:endParaRPr lang="en-US" dirty="0"/>
           </a:p>
@@ -2179,7 +2179,7 @@
           <a:p>
             <a:fld id="{9B3762C0-B258-48F1-ADE6-176B4174CCDD}" type="datetimeFigureOut">
               <a:rPr lang="en-US" dirty="0"/>
-              <a:t>3/5/2021</a:t>
+              <a:t>9/21/2021</a:t>
             </a:fld>
             <a:endParaRPr lang="en-US" dirty="0"/>
           </a:p>
@@ -2296,7 +2296,7 @@
           <a:p>
             <a:fld id="{677919A6-33EB-49BD-A62F-1FA56B9F9712}" type="datetimeFigureOut">
               <a:rPr lang="en-US" dirty="0"/>
-              <a:t>3/5/2021</a:t>
+              <a:t>9/21/2021</a:t>
             </a:fld>
             <a:endParaRPr lang="en-US" dirty="0"/>
           </a:p>
@@ -2391,7 +2391,7 @@
           <a:p>
             <a:fld id="{CA4E7D1B-D673-4CF6-8672-009D42ABD2A0}" type="datetimeFigureOut">
               <a:rPr lang="en-US" dirty="0"/>
-              <a:t>3/5/2021</a:t>
+              <a:t>9/21/2021</a:t>
             </a:fld>
             <a:endParaRPr lang="en-US" dirty="0"/>
           </a:p>
@@ -2739,7 +2739,7 @@
           <a:p>
             <a:fld id="{DA16AA21-1863-4931-97CB-99D0A168701B}" type="datetimeFigureOut">
               <a:rPr lang="en-US" dirty="0"/>
-              <a:t>3/5/2021</a:t>
+              <a:t>9/21/2021</a:t>
             </a:fld>
             <a:endParaRPr lang="en-US" dirty="0"/>
           </a:p>
@@ -3159,7 +3159,7 @@
           <a:p>
             <a:fld id="{3772C379-9A7C-4C87-A116-CBE9F58B04C5}" type="datetimeFigureOut">
               <a:rPr lang="en-US" dirty="0"/>
-              <a:t>3/5/2021</a:t>
+              <a:t>9/21/2021</a:t>
             </a:fld>
             <a:endParaRPr lang="en-US" dirty="0"/>
           </a:p>
@@ -3438,7 +3438,7 @@
           <a:p>
             <a:fld id="{8664C608-40B1-4030-A28D-5B74BC98ADCE}" type="datetimeFigureOut">
               <a:rPr lang="en-US" dirty="0"/>
-              <a:t>3/5/2021</a:t>
+              <a:t>9/21/2021</a:t>
             </a:fld>
             <a:endParaRPr lang="en-US" dirty="0"/>
           </a:p>
@@ -5086,7 +5086,7 @@
               <a:rPr lang="en-US" sz="1400" dirty="0">
                 <a:cs typeface="Calibri"/>
               </a:rPr>
-              <a:t>Draw grids every 50ms</a:t>
+              <a:t>Draw grids</a:t>
             </a:r>
           </a:p>
           <a:p>
@@ -5097,19 +5097,7 @@
               <a:rPr lang="en-US" sz="1600" dirty="0">
                 <a:cs typeface="Calibri"/>
               </a:rPr>
-              <a:t>Computer::</a:t>
-            </a:r>
-            <a:r>
-              <a:rPr lang="en-US" sz="1600" dirty="0" err="1">
-                <a:cs typeface="Calibri"/>
-              </a:rPr>
-              <a:t>place_ship</a:t>
-            </a:r>
-            <a:r>
-              <a:rPr lang="en-US" sz="1600" dirty="0">
-                <a:cs typeface="Calibri"/>
-              </a:rPr>
-              <a:t>()    </a:t>
+              <a:t>Computer::place_ship()    </a:t>
             </a:r>
             <a:r>
               <a:rPr lang="en-US" sz="1400" dirty="0">
@@ -5146,19 +5134,7 @@
               <a:rPr lang="en-US" sz="1600" dirty="0">
                 <a:cs typeface="Calibri"/>
               </a:rPr>
-              <a:t>Player::</a:t>
-            </a:r>
-            <a:r>
-              <a:rPr lang="en-US" sz="1600" dirty="0" err="1">
-                <a:cs typeface="Calibri"/>
-              </a:rPr>
-              <a:t>place_ship</a:t>
-            </a:r>
-            <a:r>
-              <a:rPr lang="en-US" sz="1600" dirty="0">
-                <a:cs typeface="Calibri"/>
-              </a:rPr>
-              <a:t>()            </a:t>
+              <a:t>Player::place_ship()            </a:t>
             </a:r>
             <a:r>
               <a:rPr lang="en-US" sz="1400" dirty="0">
